--- a/ХакПрезентация.pptx
+++ b/ХакПрезентация.pptx
@@ -8,8 +8,9 @@
     <p:sldId id="256" r:id="rId2"/>
     <p:sldId id="257" r:id="rId3"/>
     <p:sldId id="258" r:id="rId4"/>
-    <p:sldId id="259" r:id="rId5"/>
-    <p:sldId id="260" r:id="rId6"/>
+    <p:sldId id="261" r:id="rId5"/>
+    <p:sldId id="259" r:id="rId6"/>
+    <p:sldId id="260" r:id="rId7"/>
   </p:sldIdLst>
   <p:sldSz cx="12192000" cy="6858000"/>
   <p:notesSz cx="6858000" cy="9144000"/>
@@ -345,7 +346,7 @@
           <a:p>
             <a:fld id="{E3ADD698-1C25-44A0-AE1A-424F6EC4E39C}" type="datetimeFigureOut">
               <a:rPr lang="bg-BG" smtClean="0"/>
-              <a:t>16.3.2019 г.</a:t>
+              <a:t>17.3.2019 г.</a:t>
             </a:fld>
             <a:endParaRPr lang="bg-BG"/>
           </a:p>
@@ -679,7 +680,7 @@
           <a:p>
             <a:fld id="{E3ADD698-1C25-44A0-AE1A-424F6EC4E39C}" type="datetimeFigureOut">
               <a:rPr lang="bg-BG" smtClean="0"/>
-              <a:t>16.3.2019 г.</a:t>
+              <a:t>17.3.2019 г.</a:t>
             </a:fld>
             <a:endParaRPr lang="bg-BG"/>
           </a:p>
@@ -957,7 +958,7 @@
           <a:p>
             <a:fld id="{E3ADD698-1C25-44A0-AE1A-424F6EC4E39C}" type="datetimeFigureOut">
               <a:rPr lang="bg-BG" smtClean="0"/>
-              <a:t>16.3.2019 г.</a:t>
+              <a:t>17.3.2019 г.</a:t>
             </a:fld>
             <a:endParaRPr lang="bg-BG"/>
           </a:p>
@@ -1525,7 +1526,7 @@
           <a:p>
             <a:fld id="{E3ADD698-1C25-44A0-AE1A-424F6EC4E39C}" type="datetimeFigureOut">
               <a:rPr lang="bg-BG" smtClean="0"/>
-              <a:t>16.3.2019 г.</a:t>
+              <a:t>17.3.2019 г.</a:t>
             </a:fld>
             <a:endParaRPr lang="bg-BG"/>
           </a:p>
@@ -1803,7 +1804,7 @@
           <a:p>
             <a:fld id="{E3ADD698-1C25-44A0-AE1A-424F6EC4E39C}" type="datetimeFigureOut">
               <a:rPr lang="bg-BG" smtClean="0"/>
-              <a:t>16.3.2019 г.</a:t>
+              <a:t>17.3.2019 г.</a:t>
             </a:fld>
             <a:endParaRPr lang="bg-BG"/>
           </a:p>
@@ -2365,7 +2366,7 @@
           <a:p>
             <a:fld id="{E3ADD698-1C25-44A0-AE1A-424F6EC4E39C}" type="datetimeFigureOut">
               <a:rPr lang="bg-BG" smtClean="0"/>
-              <a:t>16.3.2019 г.</a:t>
+              <a:t>17.3.2019 г.</a:t>
             </a:fld>
             <a:endParaRPr lang="bg-BG"/>
           </a:p>
@@ -2692,7 +2693,7 @@
           <a:p>
             <a:fld id="{E3ADD698-1C25-44A0-AE1A-424F6EC4E39C}" type="datetimeFigureOut">
               <a:rPr lang="bg-BG" smtClean="0"/>
-              <a:t>16.3.2019 г.</a:t>
+              <a:t>17.3.2019 г.</a:t>
             </a:fld>
             <a:endParaRPr lang="bg-BG"/>
           </a:p>
@@ -2869,7 +2870,7 @@
           <a:p>
             <a:fld id="{E3ADD698-1C25-44A0-AE1A-424F6EC4E39C}" type="datetimeFigureOut">
               <a:rPr lang="bg-BG" smtClean="0"/>
-              <a:t>16.3.2019 г.</a:t>
+              <a:t>17.3.2019 г.</a:t>
             </a:fld>
             <a:endParaRPr lang="bg-BG"/>
           </a:p>
@@ -3107,7 +3108,7 @@
           <a:p>
             <a:fld id="{E3ADD698-1C25-44A0-AE1A-424F6EC4E39C}" type="datetimeFigureOut">
               <a:rPr lang="bg-BG" smtClean="0"/>
-              <a:t>16.3.2019 г.</a:t>
+              <a:t>17.3.2019 г.</a:t>
             </a:fld>
             <a:endParaRPr lang="bg-BG"/>
           </a:p>
@@ -3307,7 +3308,7 @@
           <a:p>
             <a:fld id="{E3ADD698-1C25-44A0-AE1A-424F6EC4E39C}" type="datetimeFigureOut">
               <a:rPr lang="bg-BG" smtClean="0"/>
-              <a:t>16.3.2019 г.</a:t>
+              <a:t>17.3.2019 г.</a:t>
             </a:fld>
             <a:endParaRPr lang="bg-BG"/>
           </a:p>
@@ -3583,7 +3584,7 @@
           <a:p>
             <a:fld id="{E3ADD698-1C25-44A0-AE1A-424F6EC4E39C}" type="datetimeFigureOut">
               <a:rPr lang="bg-BG" smtClean="0"/>
-              <a:t>16.3.2019 г.</a:t>
+              <a:t>17.3.2019 г.</a:t>
             </a:fld>
             <a:endParaRPr lang="bg-BG"/>
           </a:p>
@@ -3849,7 +3850,7 @@
           <a:p>
             <a:fld id="{E3ADD698-1C25-44A0-AE1A-424F6EC4E39C}" type="datetimeFigureOut">
               <a:rPr lang="bg-BG" smtClean="0"/>
-              <a:t>16.3.2019 г.</a:t>
+              <a:t>17.3.2019 г.</a:t>
             </a:fld>
             <a:endParaRPr lang="bg-BG"/>
           </a:p>
@@ -4223,7 +4224,7 @@
           <a:p>
             <a:fld id="{E3ADD698-1C25-44A0-AE1A-424F6EC4E39C}" type="datetimeFigureOut">
               <a:rPr lang="bg-BG" smtClean="0"/>
-              <a:t>16.3.2019 г.</a:t>
+              <a:t>17.3.2019 г.</a:t>
             </a:fld>
             <a:endParaRPr lang="bg-BG"/>
           </a:p>
@@ -4371,7 +4372,7 @@
           <a:p>
             <a:fld id="{E3ADD698-1C25-44A0-AE1A-424F6EC4E39C}" type="datetimeFigureOut">
               <a:rPr lang="bg-BG" smtClean="0"/>
-              <a:t>16.3.2019 г.</a:t>
+              <a:t>17.3.2019 г.</a:t>
             </a:fld>
             <a:endParaRPr lang="bg-BG"/>
           </a:p>
@@ -4496,7 +4497,7 @@
           <a:p>
             <a:fld id="{E3ADD698-1C25-44A0-AE1A-424F6EC4E39C}" type="datetimeFigureOut">
               <a:rPr lang="bg-BG" smtClean="0"/>
-              <a:t>16.3.2019 г.</a:t>
+              <a:t>17.3.2019 г.</a:t>
             </a:fld>
             <a:endParaRPr lang="bg-BG"/>
           </a:p>
@@ -4781,7 +4782,7 @@
           <a:p>
             <a:fld id="{E3ADD698-1C25-44A0-AE1A-424F6EC4E39C}" type="datetimeFigureOut">
               <a:rPr lang="bg-BG" smtClean="0"/>
-              <a:t>16.3.2019 г.</a:t>
+              <a:t>17.3.2019 г.</a:t>
             </a:fld>
             <a:endParaRPr lang="bg-BG"/>
           </a:p>
@@ -5105,7 +5106,7 @@
           <a:p>
             <a:fld id="{E3ADD698-1C25-44A0-AE1A-424F6EC4E39C}" type="datetimeFigureOut">
               <a:rPr lang="bg-BG" smtClean="0"/>
-              <a:t>16.3.2019 г.</a:t>
+              <a:t>17.3.2019 г.</a:t>
             </a:fld>
             <a:endParaRPr lang="bg-BG"/>
           </a:p>
@@ -5319,7 +5320,7 @@
           <a:p>
             <a:fld id="{E3ADD698-1C25-44A0-AE1A-424F6EC4E39C}" type="datetimeFigureOut">
               <a:rPr lang="bg-BG" smtClean="0"/>
-              <a:t>16.3.2019 г.</a:t>
+              <a:t>17.3.2019 г.</a:t>
             </a:fld>
             <a:endParaRPr lang="bg-BG"/>
           </a:p>
@@ -6017,7 +6018,7 @@
               <a:buChar char="v"/>
             </a:pPr>
             <a:r>
-              <a:rPr lang="en-US" sz="8000" dirty="0" smtClean="0">
+              <a:rPr lang="en-US" sz="6600" dirty="0" smtClean="0">
                 <a:latin typeface="Bookman Old Style" panose="02050604050505020204" pitchFamily="18" charset="0"/>
               </a:rPr>
               <a:t>HTML</a:t>
@@ -6029,7 +6030,7 @@
               <a:buChar char="v"/>
             </a:pPr>
             <a:r>
-              <a:rPr lang="en-US" sz="8000" dirty="0" smtClean="0">
+              <a:rPr lang="en-US" sz="6600" dirty="0" smtClean="0">
                 <a:latin typeface="Bookman Old Style" panose="02050604050505020204" pitchFamily="18" charset="0"/>
               </a:rPr>
               <a:t>CSS</a:t>
@@ -6041,12 +6042,12 @@
               <a:buChar char="v"/>
             </a:pPr>
             <a:r>
-              <a:rPr lang="en-US" sz="8000" dirty="0" smtClean="0">
+              <a:rPr lang="en-US" sz="6600" dirty="0" smtClean="0">
                 <a:latin typeface="Bookman Old Style" panose="02050604050505020204" pitchFamily="18" charset="0"/>
               </a:rPr>
               <a:t>JAVASCRIPT</a:t>
             </a:r>
-            <a:endParaRPr lang="bg-BG" sz="8000" dirty="0">
+            <a:endParaRPr lang="bg-BG" sz="6600" dirty="0">
               <a:latin typeface="Bookman Old Style" panose="02050604050505020204" pitchFamily="18" charset="0"/>
             </a:endParaRPr>
           </a:p>
@@ -6270,6 +6271,256 @@
         </p:nvSpPr>
         <p:spPr>
           <a:xfrm>
+            <a:off x="685800" y="120770"/>
+            <a:ext cx="10131425" cy="1456267"/>
+          </a:xfrm>
+        </p:spPr>
+        <p:txBody>
+          <a:bodyPr>
+            <a:normAutofit/>
+          </a:bodyPr>
+          <a:lstStyle/>
+          <a:p>
+            <a:pPr algn="ctr"/>
+            <a:r>
+              <a:rPr lang="bg-BG" sz="8800" b="1" u="sng" dirty="0" smtClean="0">
+                <a:latin typeface="Bookman Old Style" panose="02050604050505020204" pitchFamily="18" charset="0"/>
+              </a:rPr>
+              <a:t>трудности</a:t>
+            </a:r>
+            <a:endParaRPr lang="bg-BG" sz="8800" b="1" u="sng" dirty="0">
+              <a:latin typeface="Bookman Old Style" panose="02050604050505020204" pitchFamily="18" charset="0"/>
+            </a:endParaRPr>
+          </a:p>
+        </p:txBody>
+      </p:sp>
+      <p:sp>
+        <p:nvSpPr>
+          <p:cNvPr id="3" name="Content Placeholder 2"/>
+          <p:cNvSpPr>
+            <a:spLocks noGrp="1"/>
+          </p:cNvSpPr>
+          <p:nvPr>
+            <p:ph idx="1"/>
+          </p:nvPr>
+        </p:nvSpPr>
+        <p:spPr>
+          <a:xfrm>
+            <a:off x="685800" y="1078303"/>
+            <a:ext cx="10131425" cy="5779697"/>
+          </a:xfrm>
+        </p:spPr>
+        <p:txBody>
+          <a:bodyPr>
+            <a:normAutofit/>
+          </a:bodyPr>
+          <a:lstStyle/>
+          <a:p>
+            <a:pPr>
+              <a:buFont typeface="Wingdings" panose="05000000000000000000" pitchFamily="2" charset="2"/>
+              <a:buChar char="v"/>
+            </a:pPr>
+            <a:r>
+              <a:rPr lang="bg-BG" sz="6600" dirty="0" smtClean="0">
+                <a:latin typeface="Bookman Old Style" panose="02050604050505020204" pitchFamily="18" charset="0"/>
+              </a:rPr>
+              <a:t>...</a:t>
+            </a:r>
+          </a:p>
+          <a:p>
+            <a:pPr>
+              <a:buFont typeface="Wingdings" panose="05000000000000000000" pitchFamily="2" charset="2"/>
+              <a:buChar char="v"/>
+            </a:pPr>
+            <a:r>
+              <a:rPr lang="bg-BG" sz="6600" dirty="0" smtClean="0">
+                <a:latin typeface="Bookman Old Style" panose="02050604050505020204" pitchFamily="18" charset="0"/>
+              </a:rPr>
+              <a:t>Прекалено много за да ги напиша тук</a:t>
+            </a:r>
+            <a:endParaRPr lang="en-US" sz="6600" dirty="0" smtClean="0">
+              <a:latin typeface="Bookman Old Style" panose="02050604050505020204" pitchFamily="18" charset="0"/>
+            </a:endParaRPr>
+          </a:p>
+        </p:txBody>
+      </p:sp>
+      <p:sp>
+        <p:nvSpPr>
+          <p:cNvPr id="4" name="Smiley Face 3"/>
+          <p:cNvSpPr/>
+          <p:nvPr/>
+        </p:nvSpPr>
+        <p:spPr>
+          <a:xfrm>
+            <a:off x="8600536" y="1863306"/>
+            <a:ext cx="45719" cy="45719"/>
+          </a:xfrm>
+          <a:prstGeom prst="smileyFace">
+            <a:avLst/>
+          </a:prstGeom>
+        </p:spPr>
+        <p:style>
+          <a:lnRef idx="2">
+            <a:schemeClr val="accent1">
+              <a:shade val="50000"/>
+            </a:schemeClr>
+          </a:lnRef>
+          <a:fillRef idx="1">
+            <a:schemeClr val="accent1"/>
+          </a:fillRef>
+          <a:effectRef idx="0">
+            <a:schemeClr val="accent1"/>
+          </a:effectRef>
+          <a:fontRef idx="minor">
+            <a:schemeClr val="lt1"/>
+          </a:fontRef>
+        </p:style>
+        <p:txBody>
+          <a:bodyPr rtlCol="0" anchor="ctr"/>
+          <a:lstStyle/>
+          <a:p>
+            <a:pPr algn="ctr"/>
+            <a:endParaRPr lang="bg-BG"/>
+          </a:p>
+        </p:txBody>
+      </p:sp>
+      <p:sp>
+        <p:nvSpPr>
+          <p:cNvPr id="5" name="Smiley Face 4"/>
+          <p:cNvSpPr/>
+          <p:nvPr/>
+        </p:nvSpPr>
+        <p:spPr>
+          <a:xfrm>
+            <a:off x="9686434" y="336795"/>
+            <a:ext cx="1130791" cy="1024216"/>
+          </a:xfrm>
+          <a:prstGeom prst="smileyFace">
+            <a:avLst/>
+          </a:prstGeom>
+        </p:spPr>
+        <p:style>
+          <a:lnRef idx="2">
+            <a:schemeClr val="accent1">
+              <a:shade val="50000"/>
+            </a:schemeClr>
+          </a:lnRef>
+          <a:fillRef idx="1">
+            <a:schemeClr val="accent1"/>
+          </a:fillRef>
+          <a:effectRef idx="0">
+            <a:schemeClr val="accent1"/>
+          </a:effectRef>
+          <a:fontRef idx="minor">
+            <a:schemeClr val="lt1"/>
+          </a:fontRef>
+        </p:style>
+        <p:txBody>
+          <a:bodyPr rtlCol="0" anchor="ctr"/>
+          <a:lstStyle/>
+          <a:p>
+            <a:pPr algn="ctr"/>
+            <a:endParaRPr lang="bg-BG"/>
+          </a:p>
+        </p:txBody>
+      </p:sp>
+      <p:sp>
+        <p:nvSpPr>
+          <p:cNvPr id="6" name="Smiley Face 5"/>
+          <p:cNvSpPr/>
+          <p:nvPr/>
+        </p:nvSpPr>
+        <p:spPr>
+          <a:xfrm>
+            <a:off x="592501" y="336795"/>
+            <a:ext cx="1130791" cy="1024216"/>
+          </a:xfrm>
+          <a:prstGeom prst="smileyFace">
+            <a:avLst/>
+          </a:prstGeom>
+        </p:spPr>
+        <p:style>
+          <a:lnRef idx="2">
+            <a:schemeClr val="accent1">
+              <a:shade val="50000"/>
+            </a:schemeClr>
+          </a:lnRef>
+          <a:fillRef idx="1">
+            <a:schemeClr val="accent1"/>
+          </a:fillRef>
+          <a:effectRef idx="0">
+            <a:schemeClr val="accent1"/>
+          </a:effectRef>
+          <a:fontRef idx="minor">
+            <a:schemeClr val="lt1"/>
+          </a:fontRef>
+        </p:style>
+        <p:txBody>
+          <a:bodyPr rtlCol="0" anchor="ctr"/>
+          <a:lstStyle/>
+          <a:p>
+            <a:pPr algn="ctr"/>
+            <a:endParaRPr lang="bg-BG"/>
+          </a:p>
+        </p:txBody>
+      </p:sp>
+    </p:spTree>
+    <p:extLst>
+      <p:ext uri="{BB962C8B-B14F-4D97-AF65-F5344CB8AC3E}">
+        <p14:creationId xmlns:p14="http://schemas.microsoft.com/office/powerpoint/2010/main" val="3303537793"/>
+      </p:ext>
+    </p:extLst>
+  </p:cSld>
+  <p:clrMapOvr>
+    <a:masterClrMapping/>
+  </p:clrMapOvr>
+  <mc:AlternateContent xmlns:mc="http://schemas.openxmlformats.org/markup-compatibility/2006">
+    <mc:Choice xmlns:p14="http://schemas.microsoft.com/office/powerpoint/2010/main" Requires="p14">
+      <p:transition p14:dur="10"/>
+    </mc:Choice>
+    <mc:Fallback>
+      <p:transition/>
+    </mc:Fallback>
+  </mc:AlternateContent>
+  <p:timing>
+    <p:tnLst>
+      <p:par>
+        <p:cTn id="1" dur="indefinite" restart="never" nodeType="tmRoot"/>
+      </p:par>
+    </p:tnLst>
+  </p:timing>
+</p:sld>
+</file>
+
+<file path=ppt/slides/slide5.xml><?xml version="1.0" encoding="utf-8"?>
+<p:sld xmlns:a="http://schemas.openxmlformats.org/drawingml/2006/main" xmlns:r="http://schemas.openxmlformats.org/officeDocument/2006/relationships" xmlns:p="http://schemas.openxmlformats.org/presentationml/2006/main">
+  <p:cSld>
+    <p:spTree>
+      <p:nvGrpSpPr>
+        <p:cNvPr id="1" name=""/>
+        <p:cNvGrpSpPr/>
+        <p:nvPr/>
+      </p:nvGrpSpPr>
+      <p:grpSpPr>
+        <a:xfrm>
+          <a:off x="0" y="0"/>
+          <a:ext cx="0" cy="0"/>
+          <a:chOff x="0" y="0"/>
+          <a:chExt cx="0" cy="0"/>
+        </a:xfrm>
+      </p:grpSpPr>
+      <p:sp>
+        <p:nvSpPr>
+          <p:cNvPr id="2" name="Title 1"/>
+          <p:cNvSpPr>
+            <a:spLocks noGrp="1"/>
+          </p:cNvSpPr>
+          <p:nvPr>
+            <p:ph type="title"/>
+          </p:nvPr>
+        </p:nvSpPr>
+        <p:spPr>
+          <a:xfrm>
             <a:off x="1" y="112144"/>
             <a:ext cx="12191999" cy="1456267"/>
           </a:xfrm>
@@ -6390,7 +6641,7 @@
 </p:sld>
 </file>
 
-<file path=ppt/slides/slide5.xml><?xml version="1.0" encoding="utf-8"?>
+<file path=ppt/slides/slide6.xml><?xml version="1.0" encoding="utf-8"?>
 <p:sld xmlns:a="http://schemas.openxmlformats.org/drawingml/2006/main" xmlns:r="http://schemas.openxmlformats.org/officeDocument/2006/relationships" xmlns:p="http://schemas.openxmlformats.org/presentationml/2006/main">
   <p:cSld>
     <p:spTree>
